--- a/materi pertemuan/PERTEMUAN 1.pptx
+++ b/materi pertemuan/PERTEMUAN 1.pptx
@@ -287,7 +287,7 @@
           <a:p>
             <a:fld id="{48A87A34-81AB-432B-8DAE-1953F412C126}" type="datetimeFigureOut">
               <a:rPr lang="en-US" dirty="0"/>
-              <a:t>9/17/2018</a:t>
+              <a:t>9/16/2018</a:t>
             </a:fld>
             <a:endParaRPr lang="en-US" dirty="0"/>
           </a:p>
@@ -594,7 +594,7 @@
           <a:p>
             <a:fld id="{48A87A34-81AB-432B-8DAE-1953F412C126}" type="datetimeFigureOut">
               <a:rPr lang="en-US" dirty="0"/>
-              <a:t>9/17/2018</a:t>
+              <a:t>9/16/2018</a:t>
             </a:fld>
             <a:endParaRPr lang="en-US" dirty="0"/>
           </a:p>
@@ -811,7 +811,7 @@
           <a:p>
             <a:fld id="{48A87A34-81AB-432B-8DAE-1953F412C126}" type="datetimeFigureOut">
               <a:rPr lang="en-US" dirty="0"/>
-              <a:t>9/17/2018</a:t>
+              <a:t>9/16/2018</a:t>
             </a:fld>
             <a:endParaRPr lang="en-US" dirty="0"/>
           </a:p>
@@ -1097,7 +1097,7 @@
           <a:p>
             <a:fld id="{48A87A34-81AB-432B-8DAE-1953F412C126}" type="datetimeFigureOut">
               <a:rPr lang="en-US" dirty="0"/>
-              <a:t>9/17/2018</a:t>
+              <a:t>9/16/2018</a:t>
             </a:fld>
             <a:endParaRPr lang="en-US" dirty="0"/>
           </a:p>
@@ -1546,7 +1546,7 @@
           <a:p>
             <a:fld id="{48A87A34-81AB-432B-8DAE-1953F412C126}" type="datetimeFigureOut">
               <a:rPr lang="en-US" dirty="0"/>
-              <a:t>9/17/2018</a:t>
+              <a:t>9/16/2018</a:t>
             </a:fld>
             <a:endParaRPr lang="en-US" dirty="0"/>
           </a:p>
@@ -2117,7 +2117,7 @@
           <a:p>
             <a:fld id="{48A87A34-81AB-432B-8DAE-1953F412C126}" type="datetimeFigureOut">
               <a:rPr lang="en-US" dirty="0"/>
-              <a:t>9/17/2018</a:t>
+              <a:t>9/16/2018</a:t>
             </a:fld>
             <a:endParaRPr lang="en-US" dirty="0"/>
           </a:p>
@@ -2964,7 +2964,7 @@
           <a:p>
             <a:fld id="{48A87A34-81AB-432B-8DAE-1953F412C126}" type="datetimeFigureOut">
               <a:rPr lang="en-US" dirty="0"/>
-              <a:t>9/17/2018</a:t>
+              <a:t>9/16/2018</a:t>
             </a:fld>
             <a:endParaRPr lang="en-US" dirty="0"/>
           </a:p>
@@ -3164,7 +3164,7 @@
           <a:p>
             <a:fld id="{48A87A34-81AB-432B-8DAE-1953F412C126}" type="datetimeFigureOut">
               <a:rPr lang="en-US" dirty="0"/>
-              <a:t>9/17/2018</a:t>
+              <a:t>9/16/2018</a:t>
             </a:fld>
             <a:endParaRPr lang="en-US" dirty="0"/>
           </a:p>
@@ -3373,7 +3373,7 @@
           <a:p>
             <a:fld id="{48A87A34-81AB-432B-8DAE-1953F412C126}" type="datetimeFigureOut">
               <a:rPr lang="en-US" dirty="0"/>
-              <a:t>9/17/2018</a:t>
+              <a:t>9/16/2018</a:t>
             </a:fld>
             <a:endParaRPr lang="en-US" dirty="0"/>
           </a:p>
@@ -3573,7 +3573,7 @@
           <a:p>
             <a:fld id="{48A87A34-81AB-432B-8DAE-1953F412C126}" type="datetimeFigureOut">
               <a:rPr lang="en-US" dirty="0"/>
-              <a:t>9/17/2018</a:t>
+              <a:t>9/16/2018</a:t>
             </a:fld>
             <a:endParaRPr lang="en-US" dirty="0"/>
           </a:p>
@@ -3848,7 +3848,7 @@
           <a:p>
             <a:fld id="{48A87A34-81AB-432B-8DAE-1953F412C126}" type="datetimeFigureOut">
               <a:rPr lang="en-US" dirty="0"/>
-              <a:t>9/17/2018</a:t>
+              <a:t>9/16/2018</a:t>
             </a:fld>
             <a:endParaRPr lang="en-US" dirty="0"/>
           </a:p>
@@ -4110,7 +4110,7 @@
           <a:p>
             <a:fld id="{48A87A34-81AB-432B-8DAE-1953F412C126}" type="datetimeFigureOut">
               <a:rPr lang="en-US" dirty="0"/>
-              <a:t>9/17/2018</a:t>
+              <a:t>9/16/2018</a:t>
             </a:fld>
             <a:endParaRPr lang="en-US" dirty="0"/>
           </a:p>
@@ -4520,7 +4520,7 @@
           <a:p>
             <a:fld id="{48A87A34-81AB-432B-8DAE-1953F412C126}" type="datetimeFigureOut">
               <a:rPr lang="en-US" dirty="0"/>
-              <a:t>9/17/2018</a:t>
+              <a:t>9/16/2018</a:t>
             </a:fld>
             <a:endParaRPr lang="en-US" dirty="0"/>
           </a:p>
@@ -4663,7 +4663,7 @@
           <a:p>
             <a:fld id="{48A87A34-81AB-432B-8DAE-1953F412C126}" type="datetimeFigureOut">
               <a:rPr lang="en-US" dirty="0"/>
-              <a:t>9/17/2018</a:t>
+              <a:t>9/16/2018</a:t>
             </a:fld>
             <a:endParaRPr lang="en-US" dirty="0"/>
           </a:p>
@@ -4783,7 +4783,7 @@
           <a:p>
             <a:fld id="{48A87A34-81AB-432B-8DAE-1953F412C126}" type="datetimeFigureOut">
               <a:rPr lang="en-US" dirty="0"/>
-              <a:t>9/17/2018</a:t>
+              <a:t>9/16/2018</a:t>
             </a:fld>
             <a:endParaRPr lang="en-US" dirty="0"/>
           </a:p>
@@ -5057,7 +5057,7 @@
           <a:p>
             <a:fld id="{48A87A34-81AB-432B-8DAE-1953F412C126}" type="datetimeFigureOut">
               <a:rPr lang="en-US" dirty="0"/>
-              <a:t>9/17/2018</a:t>
+              <a:t>9/16/2018</a:t>
             </a:fld>
             <a:endParaRPr lang="en-US" dirty="0"/>
           </a:p>
@@ -5364,7 +5364,7 @@
           <a:p>
             <a:fld id="{48A87A34-81AB-432B-8DAE-1953F412C126}" type="datetimeFigureOut">
               <a:rPr lang="en-US" dirty="0"/>
-              <a:t>9/17/2018</a:t>
+              <a:t>9/16/2018</a:t>
             </a:fld>
             <a:endParaRPr lang="en-US" dirty="0"/>
           </a:p>
@@ -5613,7 +5613,7 @@
             <a:fld id="{48A87A34-81AB-432B-8DAE-1953F412C126}" type="datetimeFigureOut">
               <a:rPr lang="en-US" dirty="0"/>
               <a:pPr/>
-              <a:t>9/17/2018</a:t>
+              <a:t>9/16/2018</a:t>
             </a:fld>
             <a:endParaRPr lang="en-US" dirty="0"/>
           </a:p>
@@ -6124,13 +6124,6 @@
   <p:clrMapOvr>
     <a:masterClrMapping/>
   </p:clrMapOvr>
-  <p:timing>
-    <p:tnLst>
-      <p:par>
-        <p:cTn id="1" dur="indefinite" restart="never" nodeType="tmRoot"/>
-      </p:par>
-    </p:tnLst>
-  </p:timing>
 </p:sld>
 </file>
 
@@ -6251,13 +6244,6 @@
   <p:clrMapOvr>
     <a:masterClrMapping/>
   </p:clrMapOvr>
-  <p:timing>
-    <p:tnLst>
-      <p:par>
-        <p:cTn id="1" dur="indefinite" restart="never" nodeType="tmRoot"/>
-      </p:par>
-    </p:tnLst>
-  </p:timing>
 </p:sld>
 </file>
 
@@ -6379,13 +6365,6 @@
   <p:clrMapOvr>
     <a:masterClrMapping/>
   </p:clrMapOvr>
-  <p:timing>
-    <p:tnLst>
-      <p:par>
-        <p:cTn id="1" dur="indefinite" restart="never" nodeType="tmRoot"/>
-      </p:par>
-    </p:tnLst>
-  </p:timing>
 </p:sld>
 </file>
 
@@ -6458,7 +6437,11 @@
           <a:p>
             <a:r>
               <a:rPr lang="id-ID" dirty="0" smtClean="0"/>
-              <a:t>Xampp  (mysql &amp; apache)</a:t>
+              <a:t>Xampp  (mysql &amp; apache</a:t>
+            </a:r>
+            <a:r>
+              <a:rPr lang="id-ID" dirty="0" smtClean="0"/>
+              <a:t>)</a:t>
             </a:r>
           </a:p>
           <a:p>
@@ -6467,13 +6450,13 @@
               <a:t>GITHUB </a:t>
             </a:r>
             <a:r>
-              <a:rPr lang="id-ID" sz="3600" cap="none" dirty="0" smtClean="0">
+              <a:rPr lang="id-ID" cap="none" dirty="0" smtClean="0">
                 <a:latin typeface="Times New Roman" panose="02020603050405020304" pitchFamily="18" charset="0"/>
                 <a:cs typeface="Times New Roman" panose="02020603050405020304" pitchFamily="18" charset="0"/>
               </a:rPr>
               <a:t>https://github.com/novalassalam/pw_phb/</a:t>
             </a:r>
-            <a:endParaRPr lang="id-ID" sz="3600" cap="none" dirty="0">
+            <a:endParaRPr lang="id-ID" cap="none" dirty="0">
               <a:latin typeface="Times New Roman" panose="02020603050405020304" pitchFamily="18" charset="0"/>
               <a:cs typeface="Times New Roman" panose="02020603050405020304" pitchFamily="18" charset="0"/>
             </a:endParaRPr>
@@ -6490,13 +6473,6 @@
   <p:clrMapOvr>
     <a:masterClrMapping/>
   </p:clrMapOvr>
-  <p:timing>
-    <p:tnLst>
-      <p:par>
-        <p:cTn id="1" dur="indefinite" restart="never" nodeType="tmRoot"/>
-      </p:par>
-    </p:tnLst>
-  </p:timing>
 </p:sld>
 </file>
 
@@ -6572,13 +6548,6 @@
   <p:clrMapOvr>
     <a:masterClrMapping/>
   </p:clrMapOvr>
-  <p:timing>
-    <p:tnLst>
-      <p:par>
-        <p:cTn id="1" dur="indefinite" restart="never" nodeType="tmRoot"/>
-      </p:par>
-    </p:tnLst>
-  </p:timing>
 </p:sld>
 </file>
 
